--- a/唱哈利路亞.pptx
+++ b/唱哈利路亞.pptx
@@ -104,6 +104,22 @@
       </a:defRPr>
     </a:lvl9pPr>
   </p:defaultTextStyle>
+  <p:extLst>
+    <p:ext uri="{EFAFB233-063F-42B5-8137-9DF3F51BA10A}">
+      <p15:sldGuideLst xmlns:p15="http://schemas.microsoft.com/office/powerpoint/2012/main">
+        <p15:guide id="1" orient="horz" pos="2160">
+          <p15:clr>
+            <a:srgbClr val="A4A3A4"/>
+          </p15:clr>
+        </p15:guide>
+        <p15:guide id="2" pos="2880">
+          <p15:clr>
+            <a:srgbClr val="A4A3A4"/>
+          </p15:clr>
+        </p15:guide>
+      </p15:sldGuideLst>
+    </p:ext>
+  </p:extLst>
 </p:presentation>
 </file>
 
@@ -288,7 +304,7 @@
           <a:p>
             <a:fld id="{AC81DFE8-5795-4B84-ACA2-FED56BEE6FA8}" type="datetimeFigureOut">
               <a:rPr lang="zh-TW" altLang="en-US" smtClean="0"/>
-              <a:t>2017/11/12</a:t>
+              <a:t>2020/2/21</a:t>
             </a:fld>
             <a:endParaRPr lang="zh-TW" altLang="en-US"/>
           </a:p>
@@ -453,7 +469,7 @@
           <a:p>
             <a:fld id="{AC81DFE8-5795-4B84-ACA2-FED56BEE6FA8}" type="datetimeFigureOut">
               <a:rPr lang="zh-TW" altLang="en-US" smtClean="0"/>
-              <a:t>2017/11/12</a:t>
+              <a:t>2020/2/21</a:t>
             </a:fld>
             <a:endParaRPr lang="zh-TW" altLang="en-US"/>
           </a:p>
@@ -628,7 +644,7 @@
           <a:p>
             <a:fld id="{AC81DFE8-5795-4B84-ACA2-FED56BEE6FA8}" type="datetimeFigureOut">
               <a:rPr lang="zh-TW" altLang="en-US" smtClean="0"/>
-              <a:t>2017/11/12</a:t>
+              <a:t>2020/2/21</a:t>
             </a:fld>
             <a:endParaRPr lang="zh-TW" altLang="en-US"/>
           </a:p>
@@ -793,7 +809,7 @@
           <a:p>
             <a:fld id="{AC81DFE8-5795-4B84-ACA2-FED56BEE6FA8}" type="datetimeFigureOut">
               <a:rPr lang="zh-TW" altLang="en-US" smtClean="0"/>
-              <a:t>2017/11/12</a:t>
+              <a:t>2020/2/21</a:t>
             </a:fld>
             <a:endParaRPr lang="zh-TW" altLang="en-US"/>
           </a:p>
@@ -1034,7 +1050,7 @@
           <a:p>
             <a:fld id="{AC81DFE8-5795-4B84-ACA2-FED56BEE6FA8}" type="datetimeFigureOut">
               <a:rPr lang="zh-TW" altLang="en-US" smtClean="0"/>
-              <a:t>2017/11/12</a:t>
+              <a:t>2020/2/21</a:t>
             </a:fld>
             <a:endParaRPr lang="zh-TW" altLang="en-US"/>
           </a:p>
@@ -1317,7 +1333,7 @@
           <a:p>
             <a:fld id="{AC81DFE8-5795-4B84-ACA2-FED56BEE6FA8}" type="datetimeFigureOut">
               <a:rPr lang="zh-TW" altLang="en-US" smtClean="0"/>
-              <a:t>2017/11/12</a:t>
+              <a:t>2020/2/21</a:t>
             </a:fld>
             <a:endParaRPr lang="zh-TW" altLang="en-US"/>
           </a:p>
@@ -1734,7 +1750,7 @@
           <a:p>
             <a:fld id="{AC81DFE8-5795-4B84-ACA2-FED56BEE6FA8}" type="datetimeFigureOut">
               <a:rPr lang="zh-TW" altLang="en-US" smtClean="0"/>
-              <a:t>2017/11/12</a:t>
+              <a:t>2020/2/21</a:t>
             </a:fld>
             <a:endParaRPr lang="zh-TW" altLang="en-US"/>
           </a:p>
@@ -1847,7 +1863,7 @@
           <a:p>
             <a:fld id="{AC81DFE8-5795-4B84-ACA2-FED56BEE6FA8}" type="datetimeFigureOut">
               <a:rPr lang="zh-TW" altLang="en-US" smtClean="0"/>
-              <a:t>2017/11/12</a:t>
+              <a:t>2020/2/21</a:t>
             </a:fld>
             <a:endParaRPr lang="zh-TW" altLang="en-US"/>
           </a:p>
@@ -1937,7 +1953,7 @@
           <a:p>
             <a:fld id="{AC81DFE8-5795-4B84-ACA2-FED56BEE6FA8}" type="datetimeFigureOut">
               <a:rPr lang="zh-TW" altLang="en-US" smtClean="0"/>
-              <a:t>2017/11/12</a:t>
+              <a:t>2020/2/21</a:t>
             </a:fld>
             <a:endParaRPr lang="zh-TW" altLang="en-US"/>
           </a:p>
@@ -2209,7 +2225,7 @@
           <a:p>
             <a:fld id="{AC81DFE8-5795-4B84-ACA2-FED56BEE6FA8}" type="datetimeFigureOut">
               <a:rPr lang="zh-TW" altLang="en-US" smtClean="0"/>
-              <a:t>2017/11/12</a:t>
+              <a:t>2020/2/21</a:t>
             </a:fld>
             <a:endParaRPr lang="zh-TW" altLang="en-US"/>
           </a:p>
@@ -2461,7 +2477,7 @@
           <a:p>
             <a:fld id="{AC81DFE8-5795-4B84-ACA2-FED56BEE6FA8}" type="datetimeFigureOut">
               <a:rPr lang="zh-TW" altLang="en-US" smtClean="0"/>
-              <a:t>2017/11/12</a:t>
+              <a:t>2020/2/21</a:t>
             </a:fld>
             <a:endParaRPr lang="zh-TW" altLang="en-US"/>
           </a:p>
@@ -2674,7 +2690,7 @@
           <a:p>
             <a:fld id="{AC81DFE8-5795-4B84-ACA2-FED56BEE6FA8}" type="datetimeFigureOut">
               <a:rPr lang="zh-TW" altLang="en-US" smtClean="0"/>
-              <a:t>2017/11/12</a:t>
+              <a:t>2020/2/21</a:t>
             </a:fld>
             <a:endParaRPr lang="zh-TW" altLang="en-US"/>
           </a:p>
@@ -3089,7 +3105,12 @@
             <p:ph idx="1"/>
           </p:nvPr>
         </p:nvSpPr>
-        <p:spPr/>
+        <p:spPr>
+          <a:xfrm>
+            <a:off x="0" y="1600200"/>
+            <a:ext cx="9144000" cy="4525963"/>
+          </a:xfrm>
+        </p:spPr>
         <p:txBody>
           <a:bodyPr>
             <a:noAutofit/>
@@ -3151,20 +3172,8 @@
                 <a:latin typeface="微軟正黑體" pitchFamily="34" charset="-120"/>
                 <a:ea typeface="微軟正黑體" pitchFamily="34" charset="-120"/>
               </a:rPr>
-              <a:t>唱哈利路亞</a:t>
-            </a:r>
-            <a:endParaRPr lang="zh-TW" altLang="en-US" sz="5400" b="1" dirty="0" smtClean="0">
-              <a:solidFill>
-                <a:srgbClr val="000066"/>
-              </a:solidFill>
-              <a:latin typeface="微軟正黑體" pitchFamily="34" charset="-120"/>
-              <a:ea typeface="微軟正黑體" pitchFamily="34" charset="-120"/>
-            </a:endParaRPr>
-          </a:p>
-          <a:p>
-            <a:pPr algn="ctr">
-              <a:buNone/>
-            </a:pPr>
+              <a:t>唱哈利路</a:t>
+            </a:r>
             <a:r>
               <a:rPr lang="zh-CN" altLang="en-US" sz="5400" b="1" dirty="0" smtClean="0">
                 <a:solidFill>
@@ -3173,20 +3182,18 @@
                 <a:latin typeface="微軟正黑體" pitchFamily="34" charset="-120"/>
                 <a:ea typeface="微軟正黑體" pitchFamily="34" charset="-120"/>
               </a:rPr>
-              <a:t>唱哈利路亞</a:t>
-            </a:r>
-            <a:endParaRPr lang="zh-TW" altLang="en-US" sz="5400" b="1" dirty="0" smtClean="0">
-              <a:solidFill>
-                <a:srgbClr val="000066"/>
-              </a:solidFill>
-              <a:latin typeface="微軟正黑體" pitchFamily="34" charset="-120"/>
-              <a:ea typeface="微軟正黑體" pitchFamily="34" charset="-120"/>
-            </a:endParaRPr>
-          </a:p>
-          <a:p>
-            <a:pPr algn="ctr">
-              <a:buNone/>
-            </a:pPr>
+              <a:t>亞</a:t>
+            </a:r>
+            <a:r>
+              <a:rPr lang="zh-TW" altLang="en-US" sz="5400" b="1" dirty="0">
+                <a:solidFill>
+                  <a:srgbClr val="000066"/>
+                </a:solidFill>
+                <a:latin typeface="微軟正黑體" pitchFamily="34" charset="-120"/>
+                <a:ea typeface="微軟正黑體" pitchFamily="34" charset="-120"/>
+              </a:rPr>
+              <a:t> </a:t>
+            </a:r>
             <a:r>
               <a:rPr lang="zh-CN" altLang="en-US" sz="5400" b="1" dirty="0" smtClean="0">
                 <a:solidFill>
@@ -3195,9 +3202,127 @@
                 <a:latin typeface="微軟正黑體" pitchFamily="34" charset="-120"/>
                 <a:ea typeface="微軟正黑體" pitchFamily="34" charset="-120"/>
               </a:rPr>
+              <a:t>哈</a:t>
+            </a:r>
+            <a:r>
+              <a:rPr lang="zh-CN" altLang="en-US" sz="5400" b="1" dirty="0" smtClean="0">
+                <a:solidFill>
+                  <a:srgbClr val="000066"/>
+                </a:solidFill>
+                <a:latin typeface="微軟正黑體" pitchFamily="34" charset="-120"/>
+                <a:ea typeface="微軟正黑體" pitchFamily="34" charset="-120"/>
+              </a:rPr>
+              <a:t>利路亞讚美</a:t>
+            </a:r>
+            <a:r>
+              <a:rPr lang="zh-CN" altLang="en-US" sz="5400" b="1" dirty="0" smtClean="0">
+                <a:solidFill>
+                  <a:srgbClr val="000066"/>
+                </a:solidFill>
+                <a:latin typeface="微軟正黑體" pitchFamily="34" charset="-120"/>
+                <a:ea typeface="微軟正黑體" pitchFamily="34" charset="-120"/>
+              </a:rPr>
+              <a:t>主</a:t>
+            </a:r>
+            <a:endParaRPr lang="en-US" altLang="zh-CN" sz="5400" b="1" dirty="0" smtClean="0">
+              <a:solidFill>
+                <a:srgbClr val="000066"/>
+              </a:solidFill>
+              <a:latin typeface="微軟正黑體" pitchFamily="34" charset="-120"/>
+              <a:ea typeface="微軟正黑體" pitchFamily="34" charset="-120"/>
+            </a:endParaRPr>
+          </a:p>
+          <a:p>
+            <a:pPr algn="ctr">
+              <a:buNone/>
+            </a:pPr>
+            <a:r>
+              <a:rPr lang="zh-CN" altLang="en-US" sz="5400" b="1" dirty="0">
+                <a:solidFill>
+                  <a:srgbClr val="000066"/>
+                </a:solidFill>
+                <a:latin typeface="微軟正黑體" pitchFamily="34" charset="-120"/>
+                <a:ea typeface="微軟正黑體" pitchFamily="34" charset="-120"/>
+              </a:rPr>
+              <a:t>唱哈利路</a:t>
+            </a:r>
+            <a:r>
+              <a:rPr lang="zh-CN" altLang="en-US" sz="5400" b="1" dirty="0" smtClean="0">
+                <a:solidFill>
+                  <a:srgbClr val="000066"/>
+                </a:solidFill>
+                <a:latin typeface="微軟正黑體" pitchFamily="34" charset="-120"/>
+                <a:ea typeface="微軟正黑體" pitchFamily="34" charset="-120"/>
+              </a:rPr>
+              <a:t>亞 唱</a:t>
+            </a:r>
+            <a:r>
+              <a:rPr lang="zh-CN" altLang="en-US" sz="5400" b="1" dirty="0">
+                <a:solidFill>
+                  <a:srgbClr val="000066"/>
+                </a:solidFill>
+                <a:latin typeface="微軟正黑體" pitchFamily="34" charset="-120"/>
+                <a:ea typeface="微軟正黑體" pitchFamily="34" charset="-120"/>
+              </a:rPr>
+              <a:t>哈利路</a:t>
+            </a:r>
+            <a:r>
+              <a:rPr lang="zh-CN" altLang="en-US" sz="5400" b="1" dirty="0" smtClean="0">
+                <a:solidFill>
+                  <a:srgbClr val="000066"/>
+                </a:solidFill>
+                <a:latin typeface="微軟正黑體" pitchFamily="34" charset="-120"/>
+                <a:ea typeface="微軟正黑體" pitchFamily="34" charset="-120"/>
+              </a:rPr>
+              <a:t>亞</a:t>
+            </a:r>
+            <a:endParaRPr lang="en-US" altLang="zh-CN" sz="5400" b="1" dirty="0" smtClean="0">
+              <a:solidFill>
+                <a:srgbClr val="000066"/>
+              </a:solidFill>
+              <a:latin typeface="微軟正黑體" pitchFamily="34" charset="-120"/>
+              <a:ea typeface="微軟正黑體" pitchFamily="34" charset="-120"/>
+            </a:endParaRPr>
+          </a:p>
+          <a:p>
+            <a:pPr algn="ctr">
+              <a:buNone/>
+            </a:pPr>
+            <a:r>
+              <a:rPr lang="zh-CN" altLang="en-US" sz="5400" b="1" dirty="0">
+                <a:solidFill>
+                  <a:srgbClr val="000066"/>
+                </a:solidFill>
+                <a:latin typeface="微軟正黑體" pitchFamily="34" charset="-120"/>
+                <a:ea typeface="微軟正黑體" pitchFamily="34" charset="-120"/>
+              </a:rPr>
               <a:t>唱哈利路亞讚美主</a:t>
             </a:r>
-            <a:endParaRPr lang="zh-TW" altLang="en-US" sz="5400" b="1" dirty="0" smtClean="0">
+            <a:endParaRPr lang="zh-TW" altLang="en-US" sz="5400" b="1" dirty="0">
+              <a:solidFill>
+                <a:srgbClr val="000066"/>
+              </a:solidFill>
+              <a:latin typeface="微軟正黑體" pitchFamily="34" charset="-120"/>
+              <a:ea typeface="微軟正黑體" pitchFamily="34" charset="-120"/>
+            </a:endParaRPr>
+          </a:p>
+          <a:p>
+            <a:pPr algn="ctr">
+              <a:buNone/>
+            </a:pPr>
+            <a:endParaRPr lang="zh-TW" altLang="en-US" sz="5400" b="1" dirty="0">
+              <a:solidFill>
+                <a:srgbClr val="000066"/>
+              </a:solidFill>
+              <a:latin typeface="微軟正黑體" pitchFamily="34" charset="-120"/>
+              <a:ea typeface="微軟正黑體" pitchFamily="34" charset="-120"/>
+            </a:endParaRPr>
+          </a:p>
+          <a:p>
+            <a:pPr algn="ctr">
+              <a:buNone/>
+            </a:pPr>
+            <a:endParaRPr lang="zh-TW" altLang="en-US" sz="5400" b="1" dirty="0">
               <a:solidFill>
                 <a:srgbClr val="000066"/>
               </a:solidFill>
